--- a/_week4_ main_presentation.pptx
+++ b/_week4_ main_presentation.pptx
@@ -262,7 +262,7 @@
           <a:p>
             <a:fld id="{47FDFBE2-25E7-45BE-BE44-2388EEB9C228}" type="datetimeFigureOut">
               <a:rPr lang="en-US" smtClean="0"/>
-              <a:t>2/13/2024</a:t>
+              <a:t>2/14/2024</a:t>
             </a:fld>
             <a:endParaRPr lang="en-US"/>
           </a:p>
@@ -460,7 +460,7 @@
           <a:p>
             <a:fld id="{47FDFBE2-25E7-45BE-BE44-2388EEB9C228}" type="datetimeFigureOut">
               <a:rPr lang="en-US" smtClean="0"/>
-              <a:t>2/13/2024</a:t>
+              <a:t>2/14/2024</a:t>
             </a:fld>
             <a:endParaRPr lang="en-US"/>
           </a:p>
@@ -668,7 +668,7 @@
           <a:p>
             <a:fld id="{47FDFBE2-25E7-45BE-BE44-2388EEB9C228}" type="datetimeFigureOut">
               <a:rPr lang="en-US" smtClean="0"/>
-              <a:t>2/13/2024</a:t>
+              <a:t>2/14/2024</a:t>
             </a:fld>
             <a:endParaRPr lang="en-US"/>
           </a:p>
@@ -866,7 +866,7 @@
           <a:p>
             <a:fld id="{47FDFBE2-25E7-45BE-BE44-2388EEB9C228}" type="datetimeFigureOut">
               <a:rPr lang="en-US" smtClean="0"/>
-              <a:t>2/13/2024</a:t>
+              <a:t>2/14/2024</a:t>
             </a:fld>
             <a:endParaRPr lang="en-US"/>
           </a:p>
@@ -1141,7 +1141,7 @@
           <a:p>
             <a:fld id="{47FDFBE2-25E7-45BE-BE44-2388EEB9C228}" type="datetimeFigureOut">
               <a:rPr lang="en-US" smtClean="0"/>
-              <a:t>2/13/2024</a:t>
+              <a:t>2/14/2024</a:t>
             </a:fld>
             <a:endParaRPr lang="en-US"/>
           </a:p>
@@ -1406,7 +1406,7 @@
           <a:p>
             <a:fld id="{47FDFBE2-25E7-45BE-BE44-2388EEB9C228}" type="datetimeFigureOut">
               <a:rPr lang="en-US" smtClean="0"/>
-              <a:t>2/13/2024</a:t>
+              <a:t>2/14/2024</a:t>
             </a:fld>
             <a:endParaRPr lang="en-US"/>
           </a:p>
@@ -1818,7 +1818,7 @@
           <a:p>
             <a:fld id="{47FDFBE2-25E7-45BE-BE44-2388EEB9C228}" type="datetimeFigureOut">
               <a:rPr lang="en-US" smtClean="0"/>
-              <a:t>2/13/2024</a:t>
+              <a:t>2/14/2024</a:t>
             </a:fld>
             <a:endParaRPr lang="en-US"/>
           </a:p>
@@ -1959,7 +1959,7 @@
           <a:p>
             <a:fld id="{47FDFBE2-25E7-45BE-BE44-2388EEB9C228}" type="datetimeFigureOut">
               <a:rPr lang="en-US" smtClean="0"/>
-              <a:t>2/13/2024</a:t>
+              <a:t>2/14/2024</a:t>
             </a:fld>
             <a:endParaRPr lang="en-US"/>
           </a:p>
@@ -2072,7 +2072,7 @@
           <a:p>
             <a:fld id="{47FDFBE2-25E7-45BE-BE44-2388EEB9C228}" type="datetimeFigureOut">
               <a:rPr lang="en-US" smtClean="0"/>
-              <a:t>2/13/2024</a:t>
+              <a:t>2/14/2024</a:t>
             </a:fld>
             <a:endParaRPr lang="en-US"/>
           </a:p>
@@ -2383,7 +2383,7 @@
           <a:p>
             <a:fld id="{47FDFBE2-25E7-45BE-BE44-2388EEB9C228}" type="datetimeFigureOut">
               <a:rPr lang="en-US" smtClean="0"/>
-              <a:t>2/13/2024</a:t>
+              <a:t>2/14/2024</a:t>
             </a:fld>
             <a:endParaRPr lang="en-US"/>
           </a:p>
@@ -2671,7 +2671,7 @@
           <a:p>
             <a:fld id="{47FDFBE2-25E7-45BE-BE44-2388EEB9C228}" type="datetimeFigureOut">
               <a:rPr lang="en-US" smtClean="0"/>
-              <a:t>2/13/2024</a:t>
+              <a:t>2/14/2024</a:t>
             </a:fld>
             <a:endParaRPr lang="en-US"/>
           </a:p>
@@ -2912,7 +2912,7 @@
           <a:p>
             <a:fld id="{47FDFBE2-25E7-45BE-BE44-2388EEB9C228}" type="datetimeFigureOut">
               <a:rPr lang="en-US" smtClean="0"/>
-              <a:t>2/13/2024</a:t>
+              <a:t>2/14/2024</a:t>
             </a:fld>
             <a:endParaRPr lang="en-US"/>
           </a:p>
@@ -5194,7 +5194,7 @@
         </p:spPr>
         <p:txBody>
           <a:bodyPr anchor="t">
-            <a:normAutofit fontScale="92500" lnSpcReduction="20000"/>
+            <a:normAutofit fontScale="70000" lnSpcReduction="20000"/>
           </a:bodyPr>
           <a:lstStyle/>
           <a:p>
@@ -5206,11 +5206,14 @@
           <a:p>
             <a:r>
               <a:rPr lang="en-US" sz="1800" dirty="0"/>
-              <a:t>How to decide what to do </a:t>
-            </a:r>
-            <a:r>
-              <a:rPr lang="en-US" sz="1800"/>
-              <a:t>with missing data?</a:t>
+              <a:t>How to decide what to do with missing data? </a:t>
+            </a:r>
+          </a:p>
+          <a:p>
+            <a:pPr lvl="1"/>
+            <a:r>
+              <a:rPr lang="en-US" sz="1400" dirty="0"/>
+              <a:t>Show excel</a:t>
             </a:r>
           </a:p>
           <a:p>
@@ -5224,6 +5227,61 @@
               <a:rPr lang="en-US" sz="1800" dirty="0"/>
               <a:t>Transformers and neural nets</a:t>
             </a:r>
+          </a:p>
+          <a:p>
+            <a:pPr lvl="1"/>
+            <a:r>
+              <a:rPr lang="en-US" sz="1400" dirty="0"/>
+              <a:t>Show excel for transformer</a:t>
+            </a:r>
+          </a:p>
+          <a:p>
+            <a:r>
+              <a:rPr lang="en-US" sz="1800" dirty="0"/>
+              <a:t>Show code for essay [BERT=98% Accuracy]</a:t>
+            </a:r>
+          </a:p>
+          <a:p>
+            <a:pPr lvl="1"/>
+            <a:r>
+              <a:rPr lang="en-US" sz="1400" dirty="0">
+                <a:hlinkClick r:id="rId3"/>
+              </a:rPr>
+              <a:t>https://www.kaggle.com/code/ansarmuhammad72/fine-tuned-bert-llm-text-classificaiton/edit/run/162584008</a:t>
+            </a:r>
+          </a:p>
+          <a:p>
+            <a:pPr marL="228600" lvl="1">
+              <a:spcBef>
+                <a:spcPts val="1000"/>
+              </a:spcBef>
+            </a:pPr>
+            <a:r>
+              <a:rPr lang="en-US" sz="1900" dirty="0">
+                <a:hlinkClick r:id="rId3">
+                  <a:extLst>
+                    <a:ext uri="{A12FA001-AC4F-418D-AE19-62706E023703}">
+                      <ahyp:hlinkClr xmlns:ahyp="http://schemas.microsoft.com/office/drawing/2018/hyperlinkcolor" val="tx"/>
+                    </a:ext>
+                  </a:extLst>
+                </a:hlinkClick>
+              </a:rPr>
+              <a:t>Logs are here [BERT]: </a:t>
+            </a:r>
+          </a:p>
+          <a:p>
+            <a:pPr lvl="1"/>
+            <a:r>
+              <a:rPr lang="en-US" sz="1400" dirty="0">
+                <a:hlinkClick r:id="rId3"/>
+              </a:rPr>
+              <a:t>https://www.kaggle.com/code/ansarmuhammad72/fine-tuned-bert-llm-text-classificaiton/log?scriptVersionId=162821260</a:t>
+            </a:r>
+            <a:endParaRPr lang="en-US" sz="1400" dirty="0"/>
+          </a:p>
+          <a:p>
+            <a:pPr lvl="1"/>
+            <a:endParaRPr lang="en-US" sz="1400" dirty="0"/>
           </a:p>
           <a:p>
             <a:r>
@@ -5239,7 +5297,7 @@
                 <a:latin typeface="Segoe UI" panose="020B0502040204020203" pitchFamily="34" charset="0"/>
                 <a:ea typeface="Times New Roman" panose="02020603050405020304" pitchFamily="18" charset="0"/>
                 <a:cs typeface="Arial" panose="020B0604020202020204" pitchFamily="34" charset="0"/>
-                <a:hlinkClick r:id="rId3"/>
+                <a:hlinkClick r:id="rId4"/>
               </a:rPr>
               <a:t>https://playground.tensorflow.org/</a:t>
             </a:r>
@@ -5266,7 +5324,7 @@
             <a:pPr lvl="2"/>
             <a:r>
               <a:rPr lang="en-US" sz="1800" dirty="0">
-                <a:hlinkClick r:id="rId4"/>
+                <a:hlinkClick r:id="rId5"/>
               </a:rPr>
               <a:t>https://www.kaggle.com/code/ansarmuhammad72/fine-tuned-bert-llm-text-classificaiton/edit/run/162584008</a:t>
             </a:r>
@@ -5285,7 +5343,7 @@
               <a:rPr lang="en-US" sz="1800" u="sng" kern="0" dirty="0">
                 <a:latin typeface="Segoe UI" panose="020B0502040204020203" pitchFamily="34" charset="0"/>
                 <a:cs typeface="Arial" panose="020B0604020202020204" pitchFamily="34" charset="0"/>
-                <a:hlinkClick r:id="rId5"/>
+                <a:hlinkClick r:id="rId6"/>
               </a:rPr>
               <a:t>https://www.kaggle.com/code/ankit6937/fine-tuned-bert-llm-text-classificaiton</a:t>
             </a:r>
@@ -6060,41 +6118,41 @@
           <a:lstStyle/>
           <a:p>
             <a:r>
-              <a:rPr lang="en-US" sz="1700"/>
+              <a:rPr lang="en-US" sz="1700" dirty="0"/>
               <a:t>Transformers</a:t>
             </a:r>
           </a:p>
           <a:p>
             <a:pPr lvl="1"/>
             <a:r>
-              <a:rPr lang="en-US" sz="1700" i="0">
+              <a:rPr lang="en-US" sz="1700" i="0" dirty="0">
                 <a:effectLst/>
                 <a:latin typeface="Roboto" panose="02000000000000000000" pitchFamily="2" charset="0"/>
               </a:rPr>
               <a:t>Transformer Neural Networks, ChatGPT's foundation, Clearly Explained!!</a:t>
             </a:r>
-            <a:endParaRPr lang="en-US" sz="1700"/>
+            <a:endParaRPr lang="en-US" sz="1700" dirty="0"/>
           </a:p>
           <a:p>
             <a:pPr lvl="1"/>
             <a:r>
-              <a:rPr lang="en-US" sz="1700">
+              <a:rPr lang="en-US" sz="1700" dirty="0">
                 <a:hlinkClick r:id="rId3"/>
               </a:rPr>
               <a:t>https://www.youtube.com/watch?v=zxQyTK8quyY</a:t>
             </a:r>
-            <a:endParaRPr lang="en-US" sz="1700"/>
-          </a:p>
-          <a:p>
-            <a:r>
-              <a:rPr lang="en-US" sz="1700"/>
+            <a:endParaRPr lang="en-US" sz="1700" dirty="0"/>
+          </a:p>
+          <a:p>
+            <a:r>
+              <a:rPr lang="en-US" sz="1700" dirty="0"/>
               <a:t>Solution to essay problem</a:t>
             </a:r>
           </a:p>
           <a:p>
             <a:pPr lvl="1"/>
             <a:r>
-              <a:rPr lang="en-US" sz="1700" i="0">
+              <a:rPr lang="en-US" sz="1700" i="0" dirty="0">
                 <a:effectLst/>
                 <a:latin typeface="zeitung"/>
               </a:rPr>
@@ -6104,33 +6162,44 @@
           <a:p>
             <a:pPr lvl="1"/>
             <a:r>
-              <a:rPr lang="en-US" sz="1700">
+              <a:rPr lang="en-US" sz="1700" dirty="0">
                 <a:hlinkClick r:id="rId4"/>
               </a:rPr>
               <a:t>https://www.kaggle.com/code/ankit6937/fine-tuned-bert-llm-text-classificaiton</a:t>
             </a:r>
-            <a:endParaRPr lang="en-US" sz="1700"/>
+            <a:endParaRPr lang="en-US" sz="1700" dirty="0"/>
+          </a:p>
+          <a:p>
+            <a:r>
+              <a:rPr lang="en-US" sz="2100" dirty="0"/>
+              <a:t>Week 4 files are uploaded to </a:t>
+            </a:r>
+            <a:r>
+              <a:rPr lang="en-US" sz="2100" dirty="0" err="1"/>
+              <a:t>github</a:t>
+            </a:r>
+            <a:endParaRPr lang="en-US" sz="2100"/>
           </a:p>
           <a:p>
             <a:pPr lvl="1"/>
-            <a:endParaRPr lang="en-US" sz="1700"/>
+            <a:endParaRPr lang="en-US" sz="1700" dirty="0"/>
           </a:p>
           <a:p>
             <a:pPr lvl="1"/>
-            <a:endParaRPr lang="en-US" sz="1700" b="0" i="0">
+            <a:endParaRPr lang="en-US" sz="1700" b="0" i="0" dirty="0">
               <a:effectLst/>
               <a:latin typeface="inherit"/>
             </a:endParaRPr>
           </a:p>
           <a:p>
             <a:pPr lvl="1"/>
-            <a:endParaRPr lang="en-US" sz="1700" b="0" i="0">
+            <a:endParaRPr lang="en-US" sz="1700" b="0" i="0" dirty="0">
               <a:effectLst/>
               <a:latin typeface="inherit"/>
             </a:endParaRPr>
           </a:p>
           <a:p>
-            <a:endParaRPr lang="en-US" sz="1700"/>
+            <a:endParaRPr lang="en-US" sz="1700" dirty="0"/>
           </a:p>
         </p:txBody>
       </p:sp>
